--- a/pptx/第8章 主成分分析.pptx
+++ b/pptx/第8章 主成分分析.pptx
@@ -14707,8 +14707,8 @@
         </p:nvSpPr>
         <p:spPr>
           <a:xfrm>
-            <a:off x="2642234" y="2890520"/>
-            <a:ext cx="6824345" cy="808990"/>
+            <a:off x="2047240" y="2890520"/>
+            <a:ext cx="8247380" cy="768350"/>
           </a:xfrm>
           <a:prstGeom prst="rect">
             <a:avLst/>
@@ -14882,7 +14882,40 @@
                 <a:ea typeface="微软雅黑" panose="020B0503020204020204" pitchFamily="2" charset="-122"/>
                 <a:sym typeface="微软雅黑" panose="020B0503020204020204" pitchFamily="2" charset="-122"/>
               </a:rPr>
-              <a:t>建模 </a:t>
+              <a:t>建模（</a:t>
+            </a:r>
+            <a:r>
+              <a:rPr lang="en-US" altLang="zh-CN" sz="4400" b="1" dirty="0">
+                <a:solidFill>
+                  <a:srgbClr val="1115C3"/>
+                </a:solidFill>
+                <a:latin typeface="微软雅黑" panose="020B0503020204020204" pitchFamily="2" charset="-122"/>
+                <a:ea typeface="微软雅黑" panose="020B0503020204020204" pitchFamily="2" charset="-122"/>
+                <a:sym typeface="微软雅黑" panose="020B0503020204020204" pitchFamily="2" charset="-122"/>
+              </a:rPr>
+              <a:t>5</a:t>
+            </a:r>
+            <a:r>
+              <a:rPr lang="zh-CN" altLang="en-US" sz="4400" b="1" dirty="0">
+                <a:solidFill>
+                  <a:srgbClr val="1115C3"/>
+                </a:solidFill>
+                <a:latin typeface="微软雅黑" panose="020B0503020204020204" pitchFamily="2" charset="-122"/>
+                <a:ea typeface="微软雅黑" panose="020B0503020204020204" pitchFamily="2" charset="-122"/>
+                <a:sym typeface="微软雅黑" panose="020B0503020204020204" pitchFamily="2" charset="-122"/>
+              </a:rPr>
+              <a:t>）</a:t>
+            </a:r>
+            <a:r>
+              <a:rPr lang="zh-CN" altLang="en-US" sz="4400" b="1" dirty="0">
+                <a:solidFill>
+                  <a:srgbClr val="1115C3"/>
+                </a:solidFill>
+                <a:latin typeface="微软雅黑" panose="020B0503020204020204" pitchFamily="2" charset="-122"/>
+                <a:ea typeface="微软雅黑" panose="020B0503020204020204" pitchFamily="2" charset="-122"/>
+                <a:sym typeface="微软雅黑" panose="020B0503020204020204" pitchFamily="2" charset="-122"/>
+              </a:rPr>
+              <a:t> </a:t>
             </a:r>
             <a:endParaRPr lang="zh-CN" altLang="en-US" sz="4400" b="1" dirty="0">
               <a:solidFill>
@@ -24960,7 +24993,7 @@
               <a:schemeClr val="accent5">
                 <a:hueOff val="-4334640"/>
                 <a:satOff val="2940"/>
-                <a:lumOff val="-10259"/>
+                <a:lumOff val="-10258"/>
                 <a:alphaOff val="0"/>
               </a:schemeClr>
             </a:fillRef>
@@ -24968,7 +25001,7 @@
               <a:schemeClr val="accent5">
                 <a:hueOff val="-4334640"/>
                 <a:satOff val="2940"/>
-                <a:lumOff val="-10259"/>
+                <a:lumOff val="-10258"/>
                 <a:alphaOff val="0"/>
               </a:schemeClr>
             </a:effectRef>
@@ -25129,7 +25162,7 @@
               <a:schemeClr val="accent5">
                 <a:hueOff val="-6501959"/>
                 <a:satOff val="4409"/>
-                <a:lumOff val="-15390"/>
+                <a:lumOff val="-15389"/>
                 <a:alphaOff val="0"/>
               </a:schemeClr>
             </a:fillRef>
@@ -25137,7 +25170,7 @@
               <a:schemeClr val="accent5">
                 <a:hueOff val="-6501959"/>
                 <a:satOff val="4409"/>
-                <a:lumOff val="-15390"/>
+                <a:lumOff val="-15389"/>
                 <a:alphaOff val="0"/>
               </a:schemeClr>
             </a:effectRef>
@@ -25247,7 +25280,7 @@
               <a:schemeClr val="accent5">
                 <a:hueOff val="-8669279"/>
                 <a:satOff val="5879"/>
-                <a:lumOff val="-20521"/>
+                <a:lumOff val="-20520"/>
                 <a:alphaOff val="0"/>
               </a:schemeClr>
             </a:fillRef>
@@ -25255,7 +25288,7 @@
               <a:schemeClr val="accent5">
                 <a:hueOff val="-8669279"/>
                 <a:satOff val="5879"/>
-                <a:lumOff val="-20521"/>
+                <a:lumOff val="-20520"/>
                 <a:alphaOff val="0"/>
               </a:schemeClr>
             </a:effectRef>
@@ -25406,7 +25439,7 @@
               <a:schemeClr val="accent5">
                 <a:hueOff val="-13003919"/>
                 <a:satOff val="8819"/>
-                <a:lumOff val="-30782"/>
+                <a:lumOff val="-30781"/>
                 <a:alphaOff val="0"/>
               </a:schemeClr>
             </a:fillRef>
@@ -25414,7 +25447,7 @@
               <a:schemeClr val="accent5">
                 <a:hueOff val="-13003919"/>
                 <a:satOff val="8819"/>
-                <a:lumOff val="-30782"/>
+                <a:lumOff val="-30781"/>
                 <a:alphaOff val="0"/>
               </a:schemeClr>
             </a:effectRef>
@@ -25524,7 +25557,7 @@
               <a:schemeClr val="accent5">
                 <a:hueOff val="-13003919"/>
                 <a:satOff val="8819"/>
-                <a:lumOff val="-30782"/>
+                <a:lumOff val="-30781"/>
                 <a:alphaOff val="0"/>
               </a:schemeClr>
             </a:fillRef>
@@ -25532,7 +25565,7 @@
               <a:schemeClr val="accent5">
                 <a:hueOff val="-13003919"/>
                 <a:satOff val="8819"/>
-                <a:lumOff val="-30782"/>
+                <a:lumOff val="-30781"/>
                 <a:alphaOff val="0"/>
               </a:schemeClr>
             </a:effectRef>
@@ -29864,85 +29897,114 @@
         <p:txBody>
           <a:bodyPr wrap="none">
             <a:spAutoFit/>
+            <a:scene3d>
+              <a:camera prst="orthographicFront"/>
+              <a:lightRig rig="soft" dir="t">
+                <a:rot lat="0" lon="0" rev="15600000"/>
+              </a:lightRig>
+            </a:scene3d>
+            <a:sp3d extrusionH="57150" prstMaterial="softEdge">
+              <a:bevelT w="25400" h="38100"/>
+            </a:sp3d>
           </a:bodyPr>
           <a:lstStyle/>
           <a:p>
             <a:r>
               <a:rPr lang="en-US" altLang="zh-CN" sz="2800" b="1" smtClean="0">
-                <a:solidFill>
-                  <a:srgbClr val="FF0000"/>
-                </a:solidFill>
+                <a:ln/>
+                <a:solidFill>
+                  <a:schemeClr val="accent4"/>
+                </a:solidFill>
+                <a:effectLst/>
               </a:rPr>
               <a:t>【</a:t>
             </a:r>
             <a:r>
               <a:rPr lang="zh-CN" altLang="en-US" sz="2800" b="1" smtClean="0">
-                <a:solidFill>
-                  <a:srgbClr val="FF0000"/>
-                </a:solidFill>
+                <a:ln/>
+                <a:solidFill>
+                  <a:schemeClr val="accent4"/>
+                </a:solidFill>
+                <a:effectLst/>
               </a:rPr>
               <a:t>例</a:t>
             </a:r>
             <a:r>
               <a:rPr lang="en-US" altLang="zh-CN" sz="2800" b="1" smtClean="0">
-                <a:solidFill>
-                  <a:srgbClr val="FF0000"/>
-                </a:solidFill>
+                <a:ln/>
+                <a:solidFill>
+                  <a:schemeClr val="accent4"/>
+                </a:solidFill>
+                <a:effectLst/>
               </a:rPr>
               <a:t>8.2】</a:t>
             </a:r>
             <a:r>
               <a:rPr lang="zh-CN" altLang="zh-CN" sz="2800" b="1">
-                <a:solidFill>
-                  <a:srgbClr val="FF0000"/>
-                </a:solidFill>
+                <a:ln/>
+                <a:solidFill>
+                  <a:schemeClr val="accent4"/>
+                </a:solidFill>
+                <a:effectLst/>
               </a:rPr>
               <a:t>对例3.</a:t>
             </a:r>
             <a:r>
               <a:rPr lang="zh-CN" altLang="zh-CN" sz="2800" b="1" smtClean="0">
-                <a:solidFill>
-                  <a:srgbClr val="FF0000"/>
-                </a:solidFill>
+                <a:ln/>
+                <a:solidFill>
+                  <a:schemeClr val="accent4"/>
+                </a:solidFill>
+                <a:effectLst/>
               </a:rPr>
               <a:t>1</a:t>
             </a:r>
             <a:r>
               <a:rPr lang="zh-CN" altLang="en-US" sz="2800" b="1" smtClean="0">
-                <a:solidFill>
-                  <a:srgbClr val="FF0000"/>
-                </a:solidFill>
+                <a:ln/>
+                <a:solidFill>
+                  <a:schemeClr val="accent4"/>
+                </a:solidFill>
+                <a:effectLst/>
               </a:rPr>
               <a:t>居民消费</a:t>
             </a:r>
             <a:r>
               <a:rPr lang="zh-CN" altLang="zh-CN" sz="2800" b="1" smtClean="0">
-                <a:solidFill>
-                  <a:srgbClr val="FF0000"/>
-                </a:solidFill>
+                <a:ln/>
+                <a:solidFill>
+                  <a:schemeClr val="accent4"/>
+                </a:solidFill>
+                <a:effectLst/>
               </a:rPr>
               <a:t>数据</a:t>
             </a:r>
             <a:r>
               <a:rPr lang="zh-CN" altLang="en-US" sz="2800" b="1" smtClean="0">
-                <a:solidFill>
-                  <a:srgbClr val="FF0000"/>
-                </a:solidFill>
+                <a:ln/>
+                <a:solidFill>
+                  <a:schemeClr val="accent4"/>
+                </a:solidFill>
+                <a:effectLst/>
               </a:rPr>
               <a:t>做</a:t>
             </a:r>
             <a:r>
               <a:rPr lang="zh-CN" altLang="zh-CN" sz="2800" b="1" smtClean="0">
-                <a:solidFill>
-                  <a:srgbClr val="FF0000"/>
-                </a:solidFill>
+                <a:ln/>
+                <a:solidFill>
+                  <a:schemeClr val="accent4"/>
+                </a:solidFill>
+                <a:effectLst/>
               </a:rPr>
               <a:t>主成分分析</a:t>
             </a:r>
-            <a:endParaRPr lang="zh-CN" altLang="en-US" sz="2800" b="1">
+            <a:endParaRPr lang="zh-CN" altLang="zh-CN" sz="2800" b="1" smtClean="0">
+              <a:ln/>
               <a:solidFill>
-                <a:srgbClr val="FF0000"/>
+                <a:schemeClr val="accent4"/>
               </a:solidFill>
+              <a:effectLst/>
             </a:endParaRPr>
           </a:p>
         </p:txBody>
@@ -29963,7 +30025,7 @@
         </p:blipFill>
         <p:spPr>
           <a:xfrm>
-            <a:off x="215842" y="3691473"/>
+            <a:off x="215842" y="4245193"/>
             <a:ext cx="6153150" cy="1771650"/>
           </a:xfrm>
           <a:prstGeom prst="rect">
@@ -29997,7 +30059,7 @@
         </p:blipFill>
         <p:spPr>
           <a:xfrm>
-            <a:off x="7392090" y="1538823"/>
+            <a:off x="7540045" y="2359878"/>
             <a:ext cx="3476625" cy="4305300"/>
           </a:xfrm>
           <a:prstGeom prst="rect">
@@ -30021,14 +30083,161 @@
         </p:blipFill>
         <p:spPr>
           <a:xfrm>
-            <a:off x="237375" y="1808264"/>
-            <a:ext cx="5520120" cy="1548731"/>
+            <a:off x="215900" y="2454910"/>
+            <a:ext cx="5134610" cy="1440815"/>
           </a:xfrm>
           <a:prstGeom prst="rect">
             <a:avLst/>
           </a:prstGeom>
         </p:spPr>
       </p:pic>
+      <p:sp>
+        <p:nvSpPr>
+          <p:cNvPr id="13" name="文本框 12"/>
+          <p:cNvSpPr txBox="1"/>
+          <p:nvPr/>
+        </p:nvSpPr>
+        <p:spPr>
+          <a:xfrm>
+            <a:off x="268605" y="1692275"/>
+            <a:ext cx="11849100" cy="460375"/>
+          </a:xfrm>
+          <a:prstGeom prst="rect">
+            <a:avLst/>
+          </a:prstGeom>
+          <a:noFill/>
+        </p:spPr>
+        <p:txBody>
+          <a:bodyPr wrap="square" rtlCol="0" anchor="t">
+            <a:spAutoFit/>
+          </a:bodyPr>
+          <a:p>
+            <a:r>
+              <a:rPr lang="en-US" altLang="zh-CN" sz="2400" b="1">
+                <a:solidFill>
+                  <a:srgbClr val="FF0000"/>
+                </a:solidFill>
+              </a:rPr>
+              <a:t>X8</a:t>
+            </a:r>
+            <a:r>
+              <a:rPr lang="zh-CN" altLang="en-US" sz="2400" b="1">
+                <a:solidFill>
+                  <a:srgbClr val="FF0000"/>
+                </a:solidFill>
+              </a:rPr>
+              <a:t>.</a:t>
+            </a:r>
+            <a:r>
+              <a:rPr lang="en-US" altLang="zh-CN" sz="2400" b="1">
+                <a:solidFill>
+                  <a:srgbClr val="FF0000"/>
+                </a:solidFill>
+              </a:rPr>
+              <a:t>2</a:t>
+            </a:r>
+            <a:r>
+              <a:rPr lang="zh-CN" altLang="en-US" sz="2400" b="1">
+                <a:solidFill>
+                  <a:srgbClr val="FF0000"/>
+                </a:solidFill>
+              </a:rPr>
+              <a:t>=read.xlsx('mvstats5.xlsx','d3.1',rowNames=TRUE);  # </a:t>
+            </a:r>
+            <a:r>
+              <a:rPr lang="en-US" altLang="zh-CN" sz="2400" b="1">
+                <a:solidFill>
+                  <a:srgbClr val="FF0000"/>
+                </a:solidFill>
+              </a:rPr>
+              <a:t>library(openxlsx)</a:t>
+            </a:r>
+            <a:endParaRPr lang="en-US" altLang="zh-CN" sz="2400" b="1">
+              <a:solidFill>
+                <a:srgbClr val="FF0000"/>
+              </a:solidFill>
+            </a:endParaRPr>
+          </a:p>
+        </p:txBody>
+      </p:sp>
+      <p:sp>
+        <p:nvSpPr>
+          <p:cNvPr id="14" name="流程图: 过程 13"/>
+          <p:cNvSpPr/>
+          <p:nvPr/>
+        </p:nvSpPr>
+        <p:spPr>
+          <a:xfrm>
+            <a:off x="335915" y="2637155"/>
+            <a:ext cx="4968240" cy="75565"/>
+          </a:xfrm>
+          <a:prstGeom prst="flowChartProcess">
+            <a:avLst/>
+          </a:prstGeom>
+        </p:spPr>
+        <p:style>
+          <a:lnRef idx="2">
+            <a:schemeClr val="accent1">
+              <a:shade val="50000"/>
+            </a:schemeClr>
+          </a:lnRef>
+          <a:fillRef idx="1">
+            <a:schemeClr val="accent1"/>
+          </a:fillRef>
+          <a:effectRef idx="0">
+            <a:schemeClr val="accent1"/>
+          </a:effectRef>
+          <a:fontRef idx="minor">
+            <a:schemeClr val="lt1"/>
+          </a:fontRef>
+        </p:style>
+        <p:txBody>
+          <a:bodyPr rtlCol="0" anchor="ctr"/>
+          <a:p>
+            <a:pPr algn="ctr"/>
+            <a:endParaRPr lang="zh-CN" altLang="en-US"/>
+          </a:p>
+        </p:txBody>
+      </p:sp>
+      <p:sp>
+        <p:nvSpPr>
+          <p:cNvPr id="15" name="流程图: 过程 14"/>
+          <p:cNvSpPr/>
+          <p:nvPr/>
+        </p:nvSpPr>
+        <p:spPr>
+          <a:xfrm>
+            <a:off x="335915" y="3137535"/>
+            <a:ext cx="4968240" cy="75565"/>
+          </a:xfrm>
+          <a:prstGeom prst="flowChartProcess">
+            <a:avLst/>
+          </a:prstGeom>
+        </p:spPr>
+        <p:style>
+          <a:lnRef idx="2">
+            <a:schemeClr val="accent1">
+              <a:shade val="50000"/>
+            </a:schemeClr>
+          </a:lnRef>
+          <a:fillRef idx="1">
+            <a:schemeClr val="accent1"/>
+          </a:fillRef>
+          <a:effectRef idx="0">
+            <a:schemeClr val="accent1"/>
+          </a:effectRef>
+          <a:fontRef idx="minor">
+            <a:schemeClr val="lt1"/>
+          </a:fontRef>
+        </p:style>
+        <p:txBody>
+          <a:bodyPr rtlCol="0" anchor="ctr"/>
+          <a:p>
+            <a:pPr algn="ctr"/>
+            <a:endParaRPr lang="zh-CN" altLang="en-US"/>
+          </a:p>
+        </p:txBody>
+      </p:sp>
     </p:spTree>
   </p:cSld>
   <p:clrMapOvr>
